--- a/Lectures/Peer Grading.pptx
+++ b/Lectures/Peer Grading.pptx
@@ -216,7 +216,7 @@
           <a:p>
             <a:fld id="{D3AAB66F-B1B7-D045-B4E8-4F60236F228D}" type="datetimeFigureOut">
               <a:rPr lang="en-US" smtClean="0"/>
-              <a:t>1/15/14</a:t>
+              <a:t>4/17/16</a:t>
             </a:fld>
             <a:endParaRPr lang="en-US"/>
           </a:p>
@@ -382,7 +382,7 @@
           <a:p>
             <a:fld id="{BCCF8E76-06A6-164E-A6FA-EC32C13EB232}" type="datetimeFigureOut">
               <a:rPr lang="en-US" smtClean="0"/>
-              <a:t>1/15/14</a:t>
+              <a:t>4/17/16</a:t>
             </a:fld>
             <a:endParaRPr lang="en-US"/>
           </a:p>
@@ -1256,7 +1256,7 @@
             <a:fld id="{FA3C144B-2939-9A49-B014-915EC3E81866}" type="datetime1">
               <a:rPr lang="en-US" smtClean="0"/>
               <a:pPr/>
-              <a:t>1/15/14</a:t>
+              <a:t>4/17/16</a:t>
             </a:fld>
             <a:endParaRPr lang="en-US" dirty="0"/>
           </a:p>
@@ -1685,7 +1685,7 @@
           <a:p>
             <a:fld id="{76838339-A875-5E45-AB3F-AAABD270346A}" type="datetime1">
               <a:rPr lang="en-US" smtClean="0"/>
-              <a:t>1/15/14</a:t>
+              <a:t>4/17/16</a:t>
             </a:fld>
             <a:endParaRPr lang="en-US"/>
           </a:p>
@@ -1971,7 +1971,7 @@
             <a:fld id="{FA3C144B-2939-9A49-B014-915EC3E81866}" type="datetime1">
               <a:rPr lang="en-US" smtClean="0"/>
               <a:pPr/>
-              <a:t>1/15/14</a:t>
+              <a:t>4/17/16</a:t>
             </a:fld>
             <a:endParaRPr lang="en-US" dirty="0"/>
           </a:p>
@@ -2453,7 +2453,7 @@
           <a:p>
             <a:fld id="{A73F672F-A5FB-5745-934A-1BF51CA5539C}" type="datetime1">
               <a:rPr lang="en-US" smtClean="0"/>
-              <a:t>1/15/14</a:t>
+              <a:t>4/17/16</a:t>
             </a:fld>
             <a:endParaRPr lang="en-US"/>
           </a:p>
@@ -2795,7 +2795,7 @@
             <a:fld id="{FA3C144B-2939-9A49-B014-915EC3E81866}" type="datetime1">
               <a:rPr lang="en-US" smtClean="0"/>
               <a:pPr/>
-              <a:t>1/15/14</a:t>
+              <a:t>4/17/16</a:t>
             </a:fld>
             <a:endParaRPr lang="en-US" dirty="0"/>
           </a:p>
@@ -3259,7 +3259,7 @@
           <a:p>
             <a:fld id="{6AFE6A63-5EBE-3E48-B0AE-DF655A1ECE76}" type="datetime1">
               <a:rPr lang="en-US" smtClean="0"/>
-              <a:t>1/15/14</a:t>
+              <a:t>4/17/16</a:t>
             </a:fld>
             <a:endParaRPr lang="en-US"/>
           </a:p>
@@ -3578,7 +3578,7 @@
           <a:p>
             <a:fld id="{4A019F0C-9D18-B54A-9AC9-18AA74EDB034}" type="datetime1">
               <a:rPr lang="en-US" smtClean="0"/>
-              <a:t>1/15/14</a:t>
+              <a:t>4/17/16</a:t>
             </a:fld>
             <a:endParaRPr lang="en-US"/>
           </a:p>
@@ -3888,7 +3888,7 @@
             <a:fld id="{FA3C144B-2939-9A49-B014-915EC3E81866}" type="datetime1">
               <a:rPr lang="en-US" smtClean="0"/>
               <a:pPr/>
-              <a:t>1/15/14</a:t>
+              <a:t>4/17/16</a:t>
             </a:fld>
             <a:endParaRPr lang="en-US" dirty="0"/>
           </a:p>
@@ -4151,7 +4151,7 @@
           <a:p>
             <a:fld id="{FA3C144B-2939-9A49-B014-915EC3E81866}" type="datetime1">
               <a:rPr lang="en-US" smtClean="0"/>
-              <a:t>1/15/14</a:t>
+              <a:t>4/17/16</a:t>
             </a:fld>
             <a:endParaRPr lang="en-US" dirty="0"/>
           </a:p>
@@ -4519,7 +4519,7 @@
           <a:p>
             <a:fld id="{7053BEFA-1175-F644-B249-7D41D72BD3FF}" type="datetime1">
               <a:rPr lang="en-US" smtClean="0"/>
-              <a:t>1/15/14</a:t>
+              <a:t>4/17/16</a:t>
             </a:fld>
             <a:endParaRPr lang="en-US"/>
           </a:p>
@@ -4638,7 +4638,7 @@
             <a:fld id="{FA3C144B-2939-9A49-B014-915EC3E81866}" type="datetime1">
               <a:rPr lang="en-US" smtClean="0"/>
               <a:pPr/>
-              <a:t>1/15/14</a:t>
+              <a:t>4/17/16</a:t>
             </a:fld>
             <a:endParaRPr lang="en-US" dirty="0"/>
           </a:p>
@@ -4855,7 +4855,7 @@
             <a:fld id="{FA3C144B-2939-9A49-B014-915EC3E81866}" type="datetime1">
               <a:rPr lang="en-US" smtClean="0"/>
               <a:pPr/>
-              <a:t>1/15/14</a:t>
+              <a:t>4/17/16</a:t>
             </a:fld>
             <a:endParaRPr lang="en-US" dirty="0"/>
           </a:p>
@@ -5100,7 +5100,7 @@
             <a:fld id="{FA3C144B-2939-9A49-B014-915EC3E81866}" type="datetime1">
               <a:rPr lang="en-US" smtClean="0"/>
               <a:pPr/>
-              <a:t>1/15/14</a:t>
+              <a:t>4/17/16</a:t>
             </a:fld>
             <a:endParaRPr lang="en-US" dirty="0"/>
           </a:p>
@@ -5478,7 +5478,7 @@
           <a:p>
             <a:fld id="{111EEF3B-ABF2-AA4E-9E24-0C6256942674}" type="datetime1">
               <a:rPr lang="en-US" smtClean="0"/>
-              <a:t>1/15/14</a:t>
+              <a:t>4/17/16</a:t>
             </a:fld>
             <a:endParaRPr lang="en-US"/>
           </a:p>
@@ -5642,7 +5642,7 @@
             <a:fld id="{FA3C144B-2939-9A49-B014-915EC3E81866}" type="datetime1">
               <a:rPr lang="en-US" smtClean="0"/>
               <a:pPr/>
-              <a:t>1/15/14</a:t>
+              <a:t>4/17/16</a:t>
             </a:fld>
             <a:endParaRPr lang="en-US" dirty="0"/>
           </a:p>
@@ -6059,7 +6059,7 @@
             <a:fld id="{FA3C144B-2939-9A49-B014-915EC3E81866}" type="datetime1">
               <a:rPr lang="en-US" smtClean="0"/>
               <a:pPr/>
-              <a:t>1/15/14</a:t>
+              <a:t>4/17/16</a:t>
             </a:fld>
             <a:endParaRPr lang="en-US" dirty="0"/>
           </a:p>
@@ -6375,7 +6375,7 @@
             <a:fld id="{FA3C144B-2939-9A49-B014-915EC3E81866}" type="datetime1">
               <a:rPr lang="en-US" smtClean="0"/>
               <a:pPr/>
-              <a:t>1/15/14</a:t>
+              <a:t>4/17/16</a:t>
             </a:fld>
             <a:endParaRPr lang="en-US" dirty="0"/>
           </a:p>
@@ -7041,7 +7041,7 @@
             <a:fld id="{FA3C144B-2939-9A49-B014-915EC3E81866}" type="datetime1">
               <a:rPr lang="en-US" smtClean="0"/>
               <a:pPr/>
-              <a:t>1/15/14</a:t>
+              <a:t>4/17/16</a:t>
             </a:fld>
             <a:endParaRPr lang="en-US" dirty="0"/>
           </a:p>
@@ -7767,15 +7767,11 @@
           <a:p>
             <a:r>
               <a:rPr lang="en-US" dirty="0" smtClean="0"/>
-              <a:t>Assignment </a:t>
-            </a:r>
-            <a:r>
-              <a:rPr lang="en-US" dirty="0" err="1" smtClean="0"/>
-              <a:t>Handin</a:t>
-            </a:r>
-            <a:r>
-              <a:rPr lang="en-US" dirty="0" smtClean="0"/>
-              <a:t> &amp; Peer Grading</a:t>
+              <a:t>Peer </a:t>
+            </a:r>
+            <a:r>
+              <a:rPr lang="en-US" dirty="0" smtClean="0"/>
+              <a:t>Grading</a:t>
             </a:r>
             <a:endParaRPr lang="en-US" dirty="0"/>
           </a:p>
@@ -8172,7 +8168,7 @@
           <a:p>
             <a:fld id="{7053BEFA-1175-F644-B249-7D41D72BD3FF}" type="datetime1">
               <a:rPr lang="en-US" smtClean="0"/>
-              <a:t>1/15/14</a:t>
+              <a:t>4/17/16</a:t>
             </a:fld>
             <a:endParaRPr lang="en-US"/>
           </a:p>
@@ -8359,7 +8355,7 @@
           <a:p>
             <a:fld id="{7053BEFA-1175-F644-B249-7D41D72BD3FF}" type="datetime1">
               <a:rPr lang="en-US" smtClean="0"/>
-              <a:t>1/15/14</a:t>
+              <a:t>4/17/16</a:t>
             </a:fld>
             <a:endParaRPr lang="en-US"/>
           </a:p>
@@ -8546,7 +8542,7 @@
           <a:p>
             <a:fld id="{7053BEFA-1175-F644-B249-7D41D72BD3FF}" type="datetime1">
               <a:rPr lang="en-US" smtClean="0"/>
-              <a:t>1/15/14</a:t>
+              <a:t>4/17/16</a:t>
             </a:fld>
             <a:endParaRPr lang="en-US"/>
           </a:p>
@@ -8754,7 +8750,7 @@
           <a:p>
             <a:fld id="{7053BEFA-1175-F644-B249-7D41D72BD3FF}" type="datetime1">
               <a:rPr lang="en-US" smtClean="0"/>
-              <a:t>1/15/14</a:t>
+              <a:t>4/17/16</a:t>
             </a:fld>
             <a:endParaRPr lang="en-US"/>
           </a:p>
@@ -8907,7 +8903,7 @@
           <a:p>
             <a:fld id="{7053BEFA-1175-F644-B249-7D41D72BD3FF}" type="datetime1">
               <a:rPr lang="en-US" smtClean="0"/>
-              <a:t>1/15/14</a:t>
+              <a:t>4/17/16</a:t>
             </a:fld>
             <a:endParaRPr lang="en-US"/>
           </a:p>
@@ -9079,7 +9075,7 @@
           <a:p>
             <a:fld id="{7053BEFA-1175-F644-B249-7D41D72BD3FF}" type="datetime1">
               <a:rPr lang="en-US" smtClean="0"/>
-              <a:t>1/15/14</a:t>
+              <a:t>4/17/16</a:t>
             </a:fld>
             <a:endParaRPr lang="en-US"/>
           </a:p>
@@ -9253,7 +9249,7 @@
           <a:p>
             <a:fld id="{7053BEFA-1175-F644-B249-7D41D72BD3FF}" type="datetime1">
               <a:rPr lang="en-US" smtClean="0"/>
-              <a:t>1/15/14</a:t>
+              <a:t>4/17/16</a:t>
             </a:fld>
             <a:endParaRPr lang="en-US"/>
           </a:p>
@@ -9435,7 +9431,7 @@
           <a:p>
             <a:fld id="{7053BEFA-1175-F644-B249-7D41D72BD3FF}" type="datetime1">
               <a:rPr lang="en-US" smtClean="0"/>
-              <a:t>1/15/14</a:t>
+              <a:t>4/17/16</a:t>
             </a:fld>
             <a:endParaRPr lang="en-US"/>
           </a:p>
@@ -9640,7 +9636,7 @@
           <a:p>
             <a:fld id="{7053BEFA-1175-F644-B249-7D41D72BD3FF}" type="datetime1">
               <a:rPr lang="en-US" smtClean="0"/>
-              <a:t>1/15/14</a:t>
+              <a:t>4/17/16</a:t>
             </a:fld>
             <a:endParaRPr lang="en-US"/>
           </a:p>
@@ -9822,7 +9818,7 @@
           <a:p>
             <a:fld id="{7053BEFA-1175-F644-B249-7D41D72BD3FF}" type="datetime1">
               <a:rPr lang="en-US" smtClean="0"/>
-              <a:t>1/15/14</a:t>
+              <a:t>4/17/16</a:t>
             </a:fld>
             <a:endParaRPr lang="en-US"/>
           </a:p>
@@ -9944,7 +9940,7 @@
           <a:p>
             <a:fld id="{7053BEFA-1175-F644-B249-7D41D72BD3FF}" type="datetime1">
               <a:rPr lang="en-US" smtClean="0"/>
-              <a:t>1/15/14</a:t>
+              <a:t>4/17/16</a:t>
             </a:fld>
             <a:endParaRPr lang="en-US"/>
           </a:p>
@@ -10187,7 +10183,7 @@
           <a:p>
             <a:fld id="{7053BEFA-1175-F644-B249-7D41D72BD3FF}" type="datetime1">
               <a:rPr lang="en-US" smtClean="0"/>
-              <a:t>1/15/14</a:t>
+              <a:t>4/17/16</a:t>
             </a:fld>
             <a:endParaRPr lang="en-US"/>
           </a:p>
@@ -10369,7 +10365,7 @@
           <a:p>
             <a:fld id="{7053BEFA-1175-F644-B249-7D41D72BD3FF}" type="datetime1">
               <a:rPr lang="en-US" smtClean="0"/>
-              <a:t>1/15/14</a:t>
+              <a:t>4/17/16</a:t>
             </a:fld>
             <a:endParaRPr lang="en-US"/>
           </a:p>
@@ -10579,7 +10575,7 @@
           <a:p>
             <a:fld id="{7053BEFA-1175-F644-B249-7D41D72BD3FF}" type="datetime1">
               <a:rPr lang="en-US" smtClean="0"/>
-              <a:t>1/15/14</a:t>
+              <a:t>4/17/16</a:t>
             </a:fld>
             <a:endParaRPr lang="en-US"/>
           </a:p>
@@ -10697,7 +10693,7 @@
           <a:p>
             <a:fld id="{7053BEFA-1175-F644-B249-7D41D72BD3FF}" type="datetime1">
               <a:rPr lang="en-US" smtClean="0"/>
-              <a:t>1/15/14</a:t>
+              <a:t>4/17/16</a:t>
             </a:fld>
             <a:endParaRPr lang="en-US"/>
           </a:p>
@@ -10863,7 +10859,7 @@
           <a:p>
             <a:fld id="{7053BEFA-1175-F644-B249-7D41D72BD3FF}" type="datetime1">
               <a:rPr lang="en-US" smtClean="0"/>
-              <a:t>1/15/14</a:t>
+              <a:t>4/17/16</a:t>
             </a:fld>
             <a:endParaRPr lang="en-US"/>
           </a:p>
@@ -11019,7 +11015,7 @@
           <a:p>
             <a:fld id="{7053BEFA-1175-F644-B249-7D41D72BD3FF}" type="datetime1">
               <a:rPr lang="en-US" smtClean="0"/>
-              <a:t>1/15/14</a:t>
+              <a:t>4/17/16</a:t>
             </a:fld>
             <a:endParaRPr lang="en-US"/>
           </a:p>
@@ -11191,7 +11187,7 @@
           <a:p>
             <a:fld id="{7053BEFA-1175-F644-B249-7D41D72BD3FF}" type="datetime1">
               <a:rPr lang="en-US" smtClean="0"/>
-              <a:t>1/15/14</a:t>
+              <a:t>4/17/16</a:t>
             </a:fld>
             <a:endParaRPr lang="en-US"/>
           </a:p>
@@ -11332,7 +11328,7 @@
           <a:p>
             <a:fld id="{7053BEFA-1175-F644-B249-7D41D72BD3FF}" type="datetime1">
               <a:rPr lang="en-US" smtClean="0"/>
-              <a:t>1/15/14</a:t>
+              <a:t>4/17/16</a:t>
             </a:fld>
             <a:endParaRPr lang="en-US"/>
           </a:p>
@@ -11480,7 +11476,7 @@
           <a:p>
             <a:fld id="{7053BEFA-1175-F644-B249-7D41D72BD3FF}" type="datetime1">
               <a:rPr lang="en-US" smtClean="0"/>
-              <a:t>1/15/14</a:t>
+              <a:t>4/17/16</a:t>
             </a:fld>
             <a:endParaRPr lang="en-US"/>
           </a:p>
@@ -11628,7 +11624,7 @@
           <a:p>
             <a:fld id="{7053BEFA-1175-F644-B249-7D41D72BD3FF}" type="datetime1">
               <a:rPr lang="en-US" smtClean="0"/>
-              <a:t>1/15/14</a:t>
+              <a:t>4/17/16</a:t>
             </a:fld>
             <a:endParaRPr lang="en-US"/>
           </a:p>
